--- a/classes/prog2020/Interlude1_EfficientDNA.pptx
+++ b/classes/prog2020/Interlude1_EfficientDNA.pptx
@@ -110,6 +110,11 @@
       </a:defRPr>
     </a:lvl9pPr>
   </p:defaultTextStyle>
+  <p:extLst>
+    <p:ext uri="{EFAFB233-063F-42B5-8137-9DF3F51BA10A}">
+      <p15:sldGuideLst xmlns:p15="http://schemas.microsoft.com/office/powerpoint/2012/main"/>
+    </p:ext>
+  </p:extLst>
 </p:presentation>
 </file>
 
@@ -3360,21 +3365,7 @@
                 <a:latin typeface="Arial" panose="020B0604020202020204" pitchFamily="34" charset="0"/>
                 <a:cs typeface="Arial" panose="020B0604020202020204" pitchFamily="34" charset="0"/>
               </a:rPr>
-              <a:t>If you know a sequence will only have A,C,G and T, Strings are memory </a:t>
-            </a:r>
-            <a:r>
-              <a:rPr lang="en-US" dirty="0" err="1">
-                <a:latin typeface="Arial" panose="020B0604020202020204" pitchFamily="34" charset="0"/>
-                <a:cs typeface="Arial" panose="020B0604020202020204" pitchFamily="34" charset="0"/>
-              </a:rPr>
-              <a:t>inefficent</a:t>
-            </a:r>
-            <a:r>
-              <a:rPr lang="en-US" dirty="0">
-                <a:latin typeface="Arial" panose="020B0604020202020204" pitchFamily="34" charset="0"/>
-                <a:cs typeface="Arial" panose="020B0604020202020204" pitchFamily="34" charset="0"/>
-              </a:rPr>
-              <a:t>…</a:t>
+              <a:t>If you know a sequence will only have A,C,G and T, Strings are memory inefficient…</a:t>
             </a:r>
           </a:p>
           <a:p>

--- a/classes/prog2020/Interlude1_EfficientDNA.pptx
+++ b/classes/prog2020/Interlude1_EfficientDNA.pptx
@@ -4988,87 +4988,12 @@
           <a:chExt cx="0" cy="0"/>
         </a:xfrm>
       </p:grpSpPr>
-      <p:sp>
-        <p:nvSpPr>
-          <p:cNvPr id="4" name="TextBox 3">
-            <a:extLst>
-              <a:ext uri="{FF2B5EF4-FFF2-40B4-BE49-F238E27FC236}">
-                <a16:creationId xmlns:a16="http://schemas.microsoft.com/office/drawing/2014/main" id="{40B96C68-6682-431E-A4CC-DAABBC65E3D1}"/>
-              </a:ext>
-            </a:extLst>
-          </p:cNvPr>
-          <p:cNvSpPr txBox="1"/>
-          <p:nvPr/>
-        </p:nvSpPr>
-        <p:spPr>
-          <a:xfrm>
-            <a:off x="1473693" y="177551"/>
-            <a:ext cx="9208611" cy="646331"/>
-          </a:xfrm>
-          <a:prstGeom prst="rect">
-            <a:avLst/>
-          </a:prstGeom>
-          <a:noFill/>
-        </p:spPr>
-        <p:txBody>
-          <a:bodyPr wrap="none" rtlCol="0">
-            <a:spAutoFit/>
-          </a:bodyPr>
-          <a:lstStyle/>
-          <a:p>
-            <a:r>
-              <a:rPr lang="en-US" dirty="0">
-                <a:latin typeface="Arial" panose="020B0604020202020204" pitchFamily="34" charset="0"/>
-                <a:cs typeface="Arial" panose="020B0604020202020204" pitchFamily="34" charset="0"/>
-              </a:rPr>
-              <a:t>We can make a class that will manage the length of the original sequence for the user…</a:t>
-            </a:r>
-          </a:p>
-          <a:p>
-            <a:r>
-              <a:rPr lang="en-US" dirty="0">
-                <a:latin typeface="Arial" panose="020B0604020202020204" pitchFamily="34" charset="0"/>
-                <a:cs typeface="Arial" panose="020B0604020202020204" pitchFamily="34" charset="0"/>
-              </a:rPr>
-              <a:t>.equals and .</a:t>
-            </a:r>
-            <a:r>
-              <a:rPr lang="en-US" dirty="0" err="1">
-                <a:latin typeface="Arial" panose="020B0604020202020204" pitchFamily="34" charset="0"/>
-                <a:cs typeface="Arial" panose="020B0604020202020204" pitchFamily="34" charset="0"/>
-              </a:rPr>
-              <a:t>hashCode</a:t>
-            </a:r>
-            <a:r>
-              <a:rPr lang="en-US" dirty="0">
-                <a:latin typeface="Arial" panose="020B0604020202020204" pitchFamily="34" charset="0"/>
-                <a:cs typeface="Arial" panose="020B0604020202020204" pitchFamily="34" charset="0"/>
-              </a:rPr>
-              <a:t> return the state of the encoded sequence; </a:t>
-            </a:r>
-            <a:r>
-              <a:rPr lang="en-US" dirty="0" err="1">
-                <a:latin typeface="Arial" panose="020B0604020202020204" pitchFamily="34" charset="0"/>
-                <a:cs typeface="Arial" panose="020B0604020202020204" pitchFamily="34" charset="0"/>
-              </a:rPr>
-              <a:t>toString</a:t>
-            </a:r>
-            <a:r>
-              <a:rPr lang="en-US" dirty="0">
-                <a:latin typeface="Arial" panose="020B0604020202020204" pitchFamily="34" charset="0"/>
-                <a:cs typeface="Arial" panose="020B0604020202020204" pitchFamily="34" charset="0"/>
-              </a:rPr>
-              <a:t>() decodes</a:t>
-            </a:r>
-          </a:p>
-        </p:txBody>
-      </p:sp>
       <p:pic>
         <p:nvPicPr>
-          <p:cNvPr id="5" name="Picture 4">
-            <a:extLst>
-              <a:ext uri="{FF2B5EF4-FFF2-40B4-BE49-F238E27FC236}">
-                <a16:creationId xmlns:a16="http://schemas.microsoft.com/office/drawing/2014/main" id="{3D13A869-375C-402F-9B96-060280B07AEE}"/>
+          <p:cNvPr id="3" name="Picture 2">
+            <a:extLst>
+              <a:ext uri="{FF2B5EF4-FFF2-40B4-BE49-F238E27FC236}">
+                <a16:creationId xmlns:a16="http://schemas.microsoft.com/office/drawing/2014/main" id="{1E1B5996-37D9-4FA9-8578-20176CAB6217}"/>
               </a:ext>
             </a:extLst>
           </p:cNvPr>
@@ -5085,14 +5010,119 @@
         </p:blipFill>
         <p:spPr>
           <a:xfrm>
-            <a:off x="393238" y="876115"/>
-            <a:ext cx="5676900" cy="5372100"/>
+            <a:off x="6660211" y="619908"/>
+            <a:ext cx="4839806" cy="5966390"/>
           </a:xfrm>
           <a:prstGeom prst="rect">
             <a:avLst/>
           </a:prstGeom>
         </p:spPr>
       </p:pic>
+      <p:pic>
+        <p:nvPicPr>
+          <p:cNvPr id="2" name="Picture 1">
+            <a:extLst>
+              <a:ext uri="{FF2B5EF4-FFF2-40B4-BE49-F238E27FC236}">
+                <a16:creationId xmlns:a16="http://schemas.microsoft.com/office/drawing/2014/main" id="{BE49DCAA-A024-43E1-9A20-094FF82B6655}"/>
+              </a:ext>
+            </a:extLst>
+          </p:cNvPr>
+          <p:cNvPicPr>
+            <a:picLocks noChangeAspect="1"/>
+          </p:cNvPicPr>
+          <p:nvPr/>
+        </p:nvPicPr>
+        <p:blipFill>
+          <a:blip r:embed="rId3"/>
+          <a:stretch>
+            <a:fillRect/>
+          </a:stretch>
+        </p:blipFill>
+        <p:spPr>
+          <a:xfrm>
+            <a:off x="194338" y="664083"/>
+            <a:ext cx="6561146" cy="5425999"/>
+          </a:xfrm>
+          <a:prstGeom prst="rect">
+            <a:avLst/>
+          </a:prstGeom>
+        </p:spPr>
+      </p:pic>
+      <p:sp>
+        <p:nvSpPr>
+          <p:cNvPr id="4" name="TextBox 3">
+            <a:extLst>
+              <a:ext uri="{FF2B5EF4-FFF2-40B4-BE49-F238E27FC236}">
+                <a16:creationId xmlns:a16="http://schemas.microsoft.com/office/drawing/2014/main" id="{40B96C68-6682-431E-A4CC-DAABBC65E3D1}"/>
+              </a:ext>
+            </a:extLst>
+          </p:cNvPr>
+          <p:cNvSpPr txBox="1"/>
+          <p:nvPr/>
+        </p:nvSpPr>
+        <p:spPr>
+          <a:xfrm>
+            <a:off x="1269506" y="17752"/>
+            <a:ext cx="9208611" cy="646331"/>
+          </a:xfrm>
+          <a:prstGeom prst="rect">
+            <a:avLst/>
+          </a:prstGeom>
+          <a:noFill/>
+        </p:spPr>
+        <p:txBody>
+          <a:bodyPr wrap="none" rtlCol="0">
+            <a:spAutoFit/>
+          </a:bodyPr>
+          <a:lstStyle/>
+          <a:p>
+            <a:r>
+              <a:rPr lang="en-US" dirty="0">
+                <a:latin typeface="Arial" panose="020B0604020202020204" pitchFamily="34" charset="0"/>
+                <a:cs typeface="Arial" panose="020B0604020202020204" pitchFamily="34" charset="0"/>
+              </a:rPr>
+              <a:t>We can make a class that will manage the length of the original sequence for the user…</a:t>
+            </a:r>
+          </a:p>
+          <a:p>
+            <a:r>
+              <a:rPr lang="en-US" dirty="0">
+                <a:latin typeface="Arial" panose="020B0604020202020204" pitchFamily="34" charset="0"/>
+                <a:cs typeface="Arial" panose="020B0604020202020204" pitchFamily="34" charset="0"/>
+              </a:rPr>
+              <a:t>.equals and .</a:t>
+            </a:r>
+            <a:r>
+              <a:rPr lang="en-US" dirty="0" err="1">
+                <a:latin typeface="Arial" panose="020B0604020202020204" pitchFamily="34" charset="0"/>
+                <a:cs typeface="Arial" panose="020B0604020202020204" pitchFamily="34" charset="0"/>
+              </a:rPr>
+              <a:t>hashCode</a:t>
+            </a:r>
+            <a:r>
+              <a:rPr lang="en-US" dirty="0">
+                <a:latin typeface="Arial" panose="020B0604020202020204" pitchFamily="34" charset="0"/>
+                <a:cs typeface="Arial" panose="020B0604020202020204" pitchFamily="34" charset="0"/>
+              </a:rPr>
+              <a:t> return the state of the encoded sequence; </a:t>
+            </a:r>
+            <a:r>
+              <a:rPr lang="en-US" dirty="0" err="1">
+                <a:latin typeface="Arial" panose="020B0604020202020204" pitchFamily="34" charset="0"/>
+                <a:cs typeface="Arial" panose="020B0604020202020204" pitchFamily="34" charset="0"/>
+              </a:rPr>
+              <a:t>toString</a:t>
+            </a:r>
+            <a:r>
+              <a:rPr lang="en-US" dirty="0">
+                <a:latin typeface="Arial" panose="020B0604020202020204" pitchFamily="34" charset="0"/>
+                <a:cs typeface="Arial" panose="020B0604020202020204" pitchFamily="34" charset="0"/>
+              </a:rPr>
+              <a:t>() decodes</a:t>
+            </a:r>
+          </a:p>
+        </p:txBody>
+      </p:sp>
       <p:cxnSp>
         <p:nvCxnSpPr>
           <p:cNvPr id="7" name="Straight Connector 6">
@@ -5143,7 +5173,7 @@
         </p:nvSpPr>
         <p:spPr>
           <a:xfrm>
-            <a:off x="702819" y="6401632"/>
+            <a:off x="702819" y="6463778"/>
             <a:ext cx="11200653" cy="369332"/>
           </a:xfrm>
           <a:prstGeom prst="rect">
@@ -5163,36 +5193,6 @@
           </a:p>
         </p:txBody>
       </p:sp>
-      <p:pic>
-        <p:nvPicPr>
-          <p:cNvPr id="9" name="Picture 8">
-            <a:extLst>
-              <a:ext uri="{FF2B5EF4-FFF2-40B4-BE49-F238E27FC236}">
-                <a16:creationId xmlns:a16="http://schemas.microsoft.com/office/drawing/2014/main" id="{D80C9C9F-8488-466A-A8D4-55EFA5E07D94}"/>
-              </a:ext>
-            </a:extLst>
-          </p:cNvPr>
-          <p:cNvPicPr>
-            <a:picLocks noChangeAspect="1"/>
-          </p:cNvPicPr>
-          <p:nvPr/>
-        </p:nvPicPr>
-        <p:blipFill>
-          <a:blip r:embed="rId3"/>
-          <a:stretch>
-            <a:fillRect/>
-          </a:stretch>
-        </p:blipFill>
-        <p:spPr>
-          <a:xfrm>
-            <a:off x="6406068" y="1051078"/>
-            <a:ext cx="5785932" cy="3387757"/>
-          </a:xfrm>
-          <a:prstGeom prst="rect">
-            <a:avLst/>
-          </a:prstGeom>
-        </p:spPr>
-      </p:pic>
     </p:spTree>
     <p:extLst>
       <p:ext uri="{BB962C8B-B14F-4D97-AF65-F5344CB8AC3E}">

--- a/classes/prog2020/Interlude1_EfficientDNA.pptx
+++ b/classes/prog2020/Interlude1_EfficientDNA.pptx
@@ -12,6 +12,9 @@
     <p:sldId id="260" r:id="rId6"/>
     <p:sldId id="261" r:id="rId7"/>
     <p:sldId id="262" r:id="rId8"/>
+    <p:sldId id="264" r:id="rId9"/>
+    <p:sldId id="263" r:id="rId10"/>
+    <p:sldId id="265" r:id="rId11"/>
   </p:sldIdLst>
   <p:sldSz cx="12192000" cy="6858000"/>
   <p:notesSz cx="6858000" cy="9144000"/>
@@ -265,7 +268,7 @@
           <a:p>
             <a:fld id="{0E19FCAD-3FE5-4A02-BD1C-FEC0DE01D667}" type="datetimeFigureOut">
               <a:rPr lang="en-US" smtClean="0"/>
-              <a:t>10/18/2020</a:t>
+              <a:t>10/19/2020</a:t>
             </a:fld>
             <a:endParaRPr lang="en-US"/>
           </a:p>
@@ -463,7 +466,7 @@
           <a:p>
             <a:fld id="{0E19FCAD-3FE5-4A02-BD1C-FEC0DE01D667}" type="datetimeFigureOut">
               <a:rPr lang="en-US" smtClean="0"/>
-              <a:t>10/18/2020</a:t>
+              <a:t>10/19/2020</a:t>
             </a:fld>
             <a:endParaRPr lang="en-US"/>
           </a:p>
@@ -671,7 +674,7 @@
           <a:p>
             <a:fld id="{0E19FCAD-3FE5-4A02-BD1C-FEC0DE01D667}" type="datetimeFigureOut">
               <a:rPr lang="en-US" smtClean="0"/>
-              <a:t>10/18/2020</a:t>
+              <a:t>10/19/2020</a:t>
             </a:fld>
             <a:endParaRPr lang="en-US"/>
           </a:p>
@@ -869,7 +872,7 @@
           <a:p>
             <a:fld id="{0E19FCAD-3FE5-4A02-BD1C-FEC0DE01D667}" type="datetimeFigureOut">
               <a:rPr lang="en-US" smtClean="0"/>
-              <a:t>10/18/2020</a:t>
+              <a:t>10/19/2020</a:t>
             </a:fld>
             <a:endParaRPr lang="en-US"/>
           </a:p>
@@ -1144,7 +1147,7 @@
           <a:p>
             <a:fld id="{0E19FCAD-3FE5-4A02-BD1C-FEC0DE01D667}" type="datetimeFigureOut">
               <a:rPr lang="en-US" smtClean="0"/>
-              <a:t>10/18/2020</a:t>
+              <a:t>10/19/2020</a:t>
             </a:fld>
             <a:endParaRPr lang="en-US"/>
           </a:p>
@@ -1409,7 +1412,7 @@
           <a:p>
             <a:fld id="{0E19FCAD-3FE5-4A02-BD1C-FEC0DE01D667}" type="datetimeFigureOut">
               <a:rPr lang="en-US" smtClean="0"/>
-              <a:t>10/18/2020</a:t>
+              <a:t>10/19/2020</a:t>
             </a:fld>
             <a:endParaRPr lang="en-US"/>
           </a:p>
@@ -1821,7 +1824,7 @@
           <a:p>
             <a:fld id="{0E19FCAD-3FE5-4A02-BD1C-FEC0DE01D667}" type="datetimeFigureOut">
               <a:rPr lang="en-US" smtClean="0"/>
-              <a:t>10/18/2020</a:t>
+              <a:t>10/19/2020</a:t>
             </a:fld>
             <a:endParaRPr lang="en-US"/>
           </a:p>
@@ -1962,7 +1965,7 @@
           <a:p>
             <a:fld id="{0E19FCAD-3FE5-4A02-BD1C-FEC0DE01D667}" type="datetimeFigureOut">
               <a:rPr lang="en-US" smtClean="0"/>
-              <a:t>10/18/2020</a:t>
+              <a:t>10/19/2020</a:t>
             </a:fld>
             <a:endParaRPr lang="en-US"/>
           </a:p>
@@ -2075,7 +2078,7 @@
           <a:p>
             <a:fld id="{0E19FCAD-3FE5-4A02-BD1C-FEC0DE01D667}" type="datetimeFigureOut">
               <a:rPr lang="en-US" smtClean="0"/>
-              <a:t>10/18/2020</a:t>
+              <a:t>10/19/2020</a:t>
             </a:fld>
             <a:endParaRPr lang="en-US"/>
           </a:p>
@@ -2386,7 +2389,7 @@
           <a:p>
             <a:fld id="{0E19FCAD-3FE5-4A02-BD1C-FEC0DE01D667}" type="datetimeFigureOut">
               <a:rPr lang="en-US" smtClean="0"/>
-              <a:t>10/18/2020</a:t>
+              <a:t>10/19/2020</a:t>
             </a:fld>
             <a:endParaRPr lang="en-US"/>
           </a:p>
@@ -2674,7 +2677,7 @@
           <a:p>
             <a:fld id="{0E19FCAD-3FE5-4A02-BD1C-FEC0DE01D667}" type="datetimeFigureOut">
               <a:rPr lang="en-US" smtClean="0"/>
-              <a:t>10/18/2020</a:t>
+              <a:t>10/19/2020</a:t>
             </a:fld>
             <a:endParaRPr lang="en-US"/>
           </a:p>
@@ -2915,7 +2918,7 @@
           <a:p>
             <a:fld id="{0E19FCAD-3FE5-4A02-BD1C-FEC0DE01D667}" type="datetimeFigureOut">
               <a:rPr lang="en-US" smtClean="0"/>
-              <a:t>10/18/2020</a:t>
+              <a:t>10/19/2020</a:t>
             </a:fld>
             <a:endParaRPr lang="en-US"/>
           </a:p>
@@ -3734,6 +3737,305 @@
 </p:sld>
 </file>
 
+<file path=ppt/slides/slide10.xml><?xml version="1.0" encoding="utf-8"?>
+<p:sld xmlns:a="http://schemas.openxmlformats.org/drawingml/2006/main" xmlns:r="http://schemas.openxmlformats.org/officeDocument/2006/relationships" xmlns:p="http://schemas.openxmlformats.org/presentationml/2006/main">
+  <p:cSld>
+    <p:spTree>
+      <p:nvGrpSpPr>
+        <p:cNvPr id="1" name=""/>
+        <p:cNvGrpSpPr/>
+        <p:nvPr/>
+      </p:nvGrpSpPr>
+      <p:grpSpPr>
+        <a:xfrm>
+          <a:off x="0" y="0"/>
+          <a:ext cx="0" cy="0"/>
+          <a:chOff x="0" y="0"/>
+          <a:chExt cx="0" cy="0"/>
+        </a:xfrm>
+      </p:grpSpPr>
+      <p:pic>
+        <p:nvPicPr>
+          <p:cNvPr id="8" name="Picture 7">
+            <a:extLst>
+              <a:ext uri="{FF2B5EF4-FFF2-40B4-BE49-F238E27FC236}">
+                <a16:creationId xmlns:a16="http://schemas.microsoft.com/office/drawing/2014/main" id="{6CDFD897-AA8E-4751-AC72-6D1FC4ECB5F9}"/>
+              </a:ext>
+            </a:extLst>
+          </p:cNvPr>
+          <p:cNvPicPr>
+            <a:picLocks noChangeAspect="1"/>
+          </p:cNvPicPr>
+          <p:nvPr/>
+        </p:nvPicPr>
+        <p:blipFill>
+          <a:blip r:embed="rId2"/>
+          <a:stretch>
+            <a:fillRect/>
+          </a:stretch>
+        </p:blipFill>
+        <p:spPr>
+          <a:xfrm>
+            <a:off x="115587" y="3847795"/>
+            <a:ext cx="6119494" cy="2206774"/>
+          </a:xfrm>
+          <a:prstGeom prst="rect">
+            <a:avLst/>
+          </a:prstGeom>
+        </p:spPr>
+      </p:pic>
+      <p:pic>
+        <p:nvPicPr>
+          <p:cNvPr id="4" name="Picture 3">
+            <a:extLst>
+              <a:ext uri="{FF2B5EF4-FFF2-40B4-BE49-F238E27FC236}">
+                <a16:creationId xmlns:a16="http://schemas.microsoft.com/office/drawing/2014/main" id="{8E384175-DA51-4F4E-82A8-0D207B7CAAD7}"/>
+              </a:ext>
+            </a:extLst>
+          </p:cNvPr>
+          <p:cNvPicPr>
+            <a:picLocks noChangeAspect="1"/>
+          </p:cNvPicPr>
+          <p:nvPr/>
+        </p:nvPicPr>
+        <p:blipFill>
+          <a:blip r:embed="rId3"/>
+          <a:stretch>
+            <a:fillRect/>
+          </a:stretch>
+        </p:blipFill>
+        <p:spPr>
+          <a:xfrm>
+            <a:off x="6454297" y="3614401"/>
+            <a:ext cx="4474115" cy="2394717"/>
+          </a:xfrm>
+          <a:prstGeom prst="rect">
+            <a:avLst/>
+          </a:prstGeom>
+        </p:spPr>
+      </p:pic>
+      <p:pic>
+        <p:nvPicPr>
+          <p:cNvPr id="5" name="Picture 4">
+            <a:extLst>
+              <a:ext uri="{FF2B5EF4-FFF2-40B4-BE49-F238E27FC236}">
+                <a16:creationId xmlns:a16="http://schemas.microsoft.com/office/drawing/2014/main" id="{63CECDC1-D031-4F27-92B0-5F4E10DB995A}"/>
+              </a:ext>
+            </a:extLst>
+          </p:cNvPr>
+          <p:cNvPicPr>
+            <a:picLocks noChangeAspect="1"/>
+          </p:cNvPicPr>
+          <p:nvPr/>
+        </p:nvPicPr>
+        <p:blipFill>
+          <a:blip r:embed="rId4"/>
+          <a:stretch>
+            <a:fillRect/>
+          </a:stretch>
+        </p:blipFill>
+        <p:spPr>
+          <a:xfrm>
+            <a:off x="6096000" y="822248"/>
+            <a:ext cx="5715000" cy="2124075"/>
+          </a:xfrm>
+          <a:prstGeom prst="rect">
+            <a:avLst/>
+          </a:prstGeom>
+        </p:spPr>
+      </p:pic>
+      <p:cxnSp>
+        <p:nvCxnSpPr>
+          <p:cNvPr id="7" name="Straight Connector 6">
+            <a:extLst>
+              <a:ext uri="{FF2B5EF4-FFF2-40B4-BE49-F238E27FC236}">
+                <a16:creationId xmlns:a16="http://schemas.microsoft.com/office/drawing/2014/main" id="{94E8CF97-54DD-4845-BAB9-71FBF65DDD61}"/>
+              </a:ext>
+            </a:extLst>
+          </p:cNvPr>
+          <p:cNvCxnSpPr/>
+          <p:nvPr/>
+        </p:nvCxnSpPr>
+        <p:spPr>
+          <a:xfrm>
+            <a:off x="5956920" y="279646"/>
+            <a:ext cx="0" cy="6578354"/>
+          </a:xfrm>
+          <a:prstGeom prst="line">
+            <a:avLst/>
+          </a:prstGeom>
+        </p:spPr>
+        <p:style>
+          <a:lnRef idx="1">
+            <a:schemeClr val="accent1"/>
+          </a:lnRef>
+          <a:fillRef idx="0">
+            <a:schemeClr val="accent1"/>
+          </a:fillRef>
+          <a:effectRef idx="0">
+            <a:schemeClr val="accent1"/>
+          </a:effectRef>
+          <a:fontRef idx="minor">
+            <a:schemeClr val="tx1"/>
+          </a:fontRef>
+        </p:style>
+      </p:cxnSp>
+      <p:pic>
+        <p:nvPicPr>
+          <p:cNvPr id="9" name="Picture 8">
+            <a:extLst>
+              <a:ext uri="{FF2B5EF4-FFF2-40B4-BE49-F238E27FC236}">
+                <a16:creationId xmlns:a16="http://schemas.microsoft.com/office/drawing/2014/main" id="{36268FF5-9125-4877-B305-6FA9FDCADE78}"/>
+              </a:ext>
+            </a:extLst>
+          </p:cNvPr>
+          <p:cNvPicPr>
+            <a:picLocks noChangeAspect="1"/>
+          </p:cNvPicPr>
+          <p:nvPr/>
+        </p:nvPicPr>
+        <p:blipFill>
+          <a:blip r:embed="rId5"/>
+          <a:stretch>
+            <a:fillRect/>
+          </a:stretch>
+        </p:blipFill>
+        <p:spPr>
+          <a:xfrm>
+            <a:off x="111436" y="924468"/>
+            <a:ext cx="5571987" cy="2404658"/>
+          </a:xfrm>
+          <a:prstGeom prst="rect">
+            <a:avLst/>
+          </a:prstGeom>
+        </p:spPr>
+      </p:pic>
+      <p:sp>
+        <p:nvSpPr>
+          <p:cNvPr id="11" name="TextBox 10">
+            <a:extLst>
+              <a:ext uri="{FF2B5EF4-FFF2-40B4-BE49-F238E27FC236}">
+                <a16:creationId xmlns:a16="http://schemas.microsoft.com/office/drawing/2014/main" id="{D79158C7-E613-4A22-B6F4-FBDAE84DE8FC}"/>
+              </a:ext>
+            </a:extLst>
+          </p:cNvPr>
+          <p:cNvSpPr txBox="1"/>
+          <p:nvPr/>
+        </p:nvSpPr>
+        <p:spPr>
+          <a:xfrm>
+            <a:off x="150920" y="6439009"/>
+            <a:ext cx="11942821" cy="369332"/>
+          </a:xfrm>
+          <a:prstGeom prst="rect">
+            <a:avLst/>
+          </a:prstGeom>
+          <a:noFill/>
+        </p:spPr>
+        <p:txBody>
+          <a:bodyPr wrap="none" rtlCol="0">
+            <a:spAutoFit/>
+          </a:bodyPr>
+          <a:lstStyle/>
+          <a:p>
+            <a:r>
+              <a:rPr lang="en-US" dirty="0"/>
+              <a:t>Changing the parameters of our load test changes the benefit; here we get ~4 fold increase in the # of sequences we can hold</a:t>
+            </a:r>
+          </a:p>
+        </p:txBody>
+      </p:sp>
+      <p:cxnSp>
+        <p:nvCxnSpPr>
+          <p:cNvPr id="13" name="Straight Arrow Connector 12">
+            <a:extLst>
+              <a:ext uri="{FF2B5EF4-FFF2-40B4-BE49-F238E27FC236}">
+                <a16:creationId xmlns:a16="http://schemas.microsoft.com/office/drawing/2014/main" id="{D2E9D0E9-6C34-48EA-BFA3-716649AF351E}"/>
+              </a:ext>
+            </a:extLst>
+          </p:cNvPr>
+          <p:cNvCxnSpPr/>
+          <p:nvPr/>
+        </p:nvCxnSpPr>
+        <p:spPr>
+          <a:xfrm flipH="1">
+            <a:off x="3195961" y="1784412"/>
+            <a:ext cx="195309" cy="257452"/>
+          </a:xfrm>
+          <a:prstGeom prst="straightConnector1">
+            <a:avLst/>
+          </a:prstGeom>
+          <a:ln>
+            <a:tailEnd type="triangle"/>
+          </a:ln>
+        </p:spPr>
+        <p:style>
+          <a:lnRef idx="1">
+            <a:schemeClr val="accent1"/>
+          </a:lnRef>
+          <a:fillRef idx="0">
+            <a:schemeClr val="accent1"/>
+          </a:fillRef>
+          <a:effectRef idx="0">
+            <a:schemeClr val="accent1"/>
+          </a:effectRef>
+          <a:fontRef idx="minor">
+            <a:schemeClr val="tx1"/>
+          </a:fontRef>
+        </p:style>
+      </p:cxnSp>
+      <p:cxnSp>
+        <p:nvCxnSpPr>
+          <p:cNvPr id="14" name="Straight Arrow Connector 13">
+            <a:extLst>
+              <a:ext uri="{FF2B5EF4-FFF2-40B4-BE49-F238E27FC236}">
+                <a16:creationId xmlns:a16="http://schemas.microsoft.com/office/drawing/2014/main" id="{23802F54-BC23-4357-8560-064D0113A4D2}"/>
+              </a:ext>
+            </a:extLst>
+          </p:cNvPr>
+          <p:cNvCxnSpPr/>
+          <p:nvPr/>
+        </p:nvCxnSpPr>
+        <p:spPr>
+          <a:xfrm flipH="1">
+            <a:off x="10406109" y="1481880"/>
+            <a:ext cx="195309" cy="257452"/>
+          </a:xfrm>
+          <a:prstGeom prst="straightConnector1">
+            <a:avLst/>
+          </a:prstGeom>
+          <a:ln>
+            <a:tailEnd type="triangle"/>
+          </a:ln>
+        </p:spPr>
+        <p:style>
+          <a:lnRef idx="1">
+            <a:schemeClr val="accent1"/>
+          </a:lnRef>
+          <a:fillRef idx="0">
+            <a:schemeClr val="accent1"/>
+          </a:fillRef>
+          <a:effectRef idx="0">
+            <a:schemeClr val="accent1"/>
+          </a:effectRef>
+          <a:fontRef idx="minor">
+            <a:schemeClr val="tx1"/>
+          </a:fontRef>
+        </p:style>
+      </p:cxnSp>
+    </p:spTree>
+    <p:extLst>
+      <p:ext uri="{BB962C8B-B14F-4D97-AF65-F5344CB8AC3E}">
+        <p14:creationId xmlns:p14="http://schemas.microsoft.com/office/powerpoint/2010/main" val="4129424717"/>
+      </p:ext>
+    </p:extLst>
+  </p:cSld>
+  <p:clrMapOvr>
+    <a:masterClrMapping/>
+  </p:clrMapOvr>
+</p:sld>
+</file>
+
 <file path=ppt/slides/slide2.xml><?xml version="1.0" encoding="utf-8"?>
 <p:sld xmlns:a="http://schemas.openxmlformats.org/drawingml/2006/main" xmlns:r="http://schemas.openxmlformats.org/officeDocument/2006/relationships" xmlns:p="http://schemas.openxmlformats.org/presentationml/2006/main">
   <p:cSld>
@@ -5197,6 +5499,395 @@
     <p:extLst>
       <p:ext uri="{BB962C8B-B14F-4D97-AF65-F5344CB8AC3E}">
         <p14:creationId xmlns:p14="http://schemas.microsoft.com/office/powerpoint/2010/main" val="873927084"/>
+      </p:ext>
+    </p:extLst>
+  </p:cSld>
+  <p:clrMapOvr>
+    <a:masterClrMapping/>
+  </p:clrMapOvr>
+</p:sld>
+</file>
+
+<file path=ppt/slides/slide8.xml><?xml version="1.0" encoding="utf-8"?>
+<p:sld xmlns:a="http://schemas.openxmlformats.org/drawingml/2006/main" xmlns:r="http://schemas.openxmlformats.org/officeDocument/2006/relationships" xmlns:p="http://schemas.openxmlformats.org/presentationml/2006/main">
+  <p:cSld>
+    <p:spTree>
+      <p:nvGrpSpPr>
+        <p:cNvPr id="1" name=""/>
+        <p:cNvGrpSpPr/>
+        <p:nvPr/>
+      </p:nvGrpSpPr>
+      <p:grpSpPr>
+        <a:xfrm>
+          <a:off x="0" y="0"/>
+          <a:ext cx="0" cy="0"/>
+          <a:chOff x="0" y="0"/>
+          <a:chExt cx="0" cy="0"/>
+        </a:xfrm>
+      </p:grpSpPr>
+      <p:sp>
+        <p:nvSpPr>
+          <p:cNvPr id="4" name="TextBox 3">
+            <a:extLst>
+              <a:ext uri="{FF2B5EF4-FFF2-40B4-BE49-F238E27FC236}">
+                <a16:creationId xmlns:a16="http://schemas.microsoft.com/office/drawing/2014/main" id="{BF9107AF-60D2-4DE0-9622-9A07E0A57668}"/>
+              </a:ext>
+            </a:extLst>
+          </p:cNvPr>
+          <p:cNvSpPr txBox="1"/>
+          <p:nvPr/>
+        </p:nvSpPr>
+        <p:spPr>
+          <a:xfrm>
+            <a:off x="1340529" y="319594"/>
+            <a:ext cx="10514417" cy="369332"/>
+          </a:xfrm>
+          <a:prstGeom prst="rect">
+            <a:avLst/>
+          </a:prstGeom>
+          <a:noFill/>
+        </p:spPr>
+        <p:txBody>
+          <a:bodyPr wrap="none" rtlCol="0">
+            <a:spAutoFit/>
+          </a:bodyPr>
+          <a:lstStyle/>
+          <a:p>
+            <a:r>
+              <a:rPr lang="en-US" dirty="0">
+                <a:latin typeface="Arial" panose="020B0604020202020204" pitchFamily="34" charset="0"/>
+                <a:cs typeface="Arial" panose="020B0604020202020204" pitchFamily="34" charset="0"/>
+              </a:rPr>
+              <a:t>From Eclipse, we do Run -&gt; Run Configurations to set the heap space to 0.2G for our virtual machine</a:t>
+            </a:r>
+          </a:p>
+        </p:txBody>
+      </p:sp>
+      <p:pic>
+        <p:nvPicPr>
+          <p:cNvPr id="5" name="Picture 4">
+            <a:extLst>
+              <a:ext uri="{FF2B5EF4-FFF2-40B4-BE49-F238E27FC236}">
+                <a16:creationId xmlns:a16="http://schemas.microsoft.com/office/drawing/2014/main" id="{E3E6B1C3-4979-4825-B7AD-DF2754205BB3}"/>
+              </a:ext>
+            </a:extLst>
+          </p:cNvPr>
+          <p:cNvPicPr>
+            <a:picLocks noChangeAspect="1"/>
+          </p:cNvPicPr>
+          <p:nvPr/>
+        </p:nvPicPr>
+        <p:blipFill>
+          <a:blip r:embed="rId2"/>
+          <a:stretch>
+            <a:fillRect/>
+          </a:stretch>
+        </p:blipFill>
+        <p:spPr>
+          <a:xfrm>
+            <a:off x="246495" y="1194953"/>
+            <a:ext cx="5305526" cy="4025117"/>
+          </a:xfrm>
+          <a:prstGeom prst="rect">
+            <a:avLst/>
+          </a:prstGeom>
+        </p:spPr>
+      </p:pic>
+      <p:pic>
+        <p:nvPicPr>
+          <p:cNvPr id="6" name="Picture 5">
+            <a:extLst>
+              <a:ext uri="{FF2B5EF4-FFF2-40B4-BE49-F238E27FC236}">
+                <a16:creationId xmlns:a16="http://schemas.microsoft.com/office/drawing/2014/main" id="{D3392C76-1E0E-4A4A-83B1-B4C309BF0D74}"/>
+              </a:ext>
+            </a:extLst>
+          </p:cNvPr>
+          <p:cNvPicPr>
+            <a:picLocks noChangeAspect="1"/>
+          </p:cNvPicPr>
+          <p:nvPr/>
+        </p:nvPicPr>
+        <p:blipFill>
+          <a:blip r:embed="rId3"/>
+          <a:stretch>
+            <a:fillRect/>
+          </a:stretch>
+        </p:blipFill>
+        <p:spPr>
+          <a:xfrm>
+            <a:off x="6096000" y="1557848"/>
+            <a:ext cx="4816753" cy="3662222"/>
+          </a:xfrm>
+          <a:prstGeom prst="rect">
+            <a:avLst/>
+          </a:prstGeom>
+        </p:spPr>
+      </p:pic>
+    </p:spTree>
+    <p:extLst>
+      <p:ext uri="{BB962C8B-B14F-4D97-AF65-F5344CB8AC3E}">
+        <p14:creationId xmlns:p14="http://schemas.microsoft.com/office/powerpoint/2010/main" val="3632828639"/>
+      </p:ext>
+    </p:extLst>
+  </p:cSld>
+  <p:clrMapOvr>
+    <a:masterClrMapping/>
+  </p:clrMapOvr>
+</p:sld>
+</file>
+
+<file path=ppt/slides/slide9.xml><?xml version="1.0" encoding="utf-8"?>
+<p:sld xmlns:a="http://schemas.openxmlformats.org/drawingml/2006/main" xmlns:r="http://schemas.openxmlformats.org/officeDocument/2006/relationships" xmlns:p="http://schemas.openxmlformats.org/presentationml/2006/main">
+  <p:cSld>
+    <p:spTree>
+      <p:nvGrpSpPr>
+        <p:cNvPr id="1" name=""/>
+        <p:cNvGrpSpPr/>
+        <p:nvPr/>
+      </p:nvGrpSpPr>
+      <p:grpSpPr>
+        <a:xfrm>
+          <a:off x="0" y="0"/>
+          <a:ext cx="0" cy="0"/>
+          <a:chOff x="0" y="0"/>
+          <a:chExt cx="0" cy="0"/>
+        </a:xfrm>
+      </p:grpSpPr>
+      <p:cxnSp>
+        <p:nvCxnSpPr>
+          <p:cNvPr id="8" name="Straight Connector 7">
+            <a:extLst>
+              <a:ext uri="{FF2B5EF4-FFF2-40B4-BE49-F238E27FC236}">
+                <a16:creationId xmlns:a16="http://schemas.microsoft.com/office/drawing/2014/main" id="{85CEE6C1-E2D6-4BA8-A95E-1C319FE1AC88}"/>
+              </a:ext>
+            </a:extLst>
+          </p:cNvPr>
+          <p:cNvCxnSpPr/>
+          <p:nvPr/>
+        </p:nvCxnSpPr>
+        <p:spPr>
+          <a:xfrm>
+            <a:off x="5841507" y="639192"/>
+            <a:ext cx="0" cy="5024761"/>
+          </a:xfrm>
+          <a:prstGeom prst="line">
+            <a:avLst/>
+          </a:prstGeom>
+        </p:spPr>
+        <p:style>
+          <a:lnRef idx="1">
+            <a:schemeClr val="accent1"/>
+          </a:lnRef>
+          <a:fillRef idx="0">
+            <a:schemeClr val="accent1"/>
+          </a:fillRef>
+          <a:effectRef idx="0">
+            <a:schemeClr val="accent1"/>
+          </a:effectRef>
+          <a:fontRef idx="minor">
+            <a:schemeClr val="tx1"/>
+          </a:fontRef>
+        </p:style>
+      </p:cxnSp>
+      <p:pic>
+        <p:nvPicPr>
+          <p:cNvPr id="9" name="Picture 8">
+            <a:extLst>
+              <a:ext uri="{FF2B5EF4-FFF2-40B4-BE49-F238E27FC236}">
+                <a16:creationId xmlns:a16="http://schemas.microsoft.com/office/drawing/2014/main" id="{DD4B1236-E89C-4A06-9864-84A13CA39807}"/>
+              </a:ext>
+            </a:extLst>
+          </p:cNvPr>
+          <p:cNvPicPr>
+            <a:picLocks noChangeAspect="1"/>
+          </p:cNvPicPr>
+          <p:nvPr/>
+        </p:nvPicPr>
+        <p:blipFill>
+          <a:blip r:embed="rId2"/>
+          <a:stretch>
+            <a:fillRect/>
+          </a:stretch>
+        </p:blipFill>
+        <p:spPr>
+          <a:xfrm>
+            <a:off x="6005327" y="45656"/>
+            <a:ext cx="5934075" cy="2514600"/>
+          </a:xfrm>
+          <a:prstGeom prst="rect">
+            <a:avLst/>
+          </a:prstGeom>
+        </p:spPr>
+      </p:pic>
+      <p:pic>
+        <p:nvPicPr>
+          <p:cNvPr id="10" name="Picture 9">
+            <a:extLst>
+              <a:ext uri="{FF2B5EF4-FFF2-40B4-BE49-F238E27FC236}">
+                <a16:creationId xmlns:a16="http://schemas.microsoft.com/office/drawing/2014/main" id="{BA948FB1-A62D-476F-9FCE-71D0ADD2B211}"/>
+              </a:ext>
+            </a:extLst>
+          </p:cNvPr>
+          <p:cNvPicPr>
+            <a:picLocks noChangeAspect="1"/>
+          </p:cNvPicPr>
+          <p:nvPr/>
+        </p:nvPicPr>
+        <p:blipFill>
+          <a:blip r:embed="rId3"/>
+          <a:stretch>
+            <a:fillRect/>
+          </a:stretch>
+        </p:blipFill>
+        <p:spPr>
+          <a:xfrm>
+            <a:off x="6475846" y="2671226"/>
+            <a:ext cx="3822252" cy="2963319"/>
+          </a:xfrm>
+          <a:prstGeom prst="rect">
+            <a:avLst/>
+          </a:prstGeom>
+        </p:spPr>
+      </p:pic>
+      <p:pic>
+        <p:nvPicPr>
+          <p:cNvPr id="11" name="Picture 10">
+            <a:extLst>
+              <a:ext uri="{FF2B5EF4-FFF2-40B4-BE49-F238E27FC236}">
+                <a16:creationId xmlns:a16="http://schemas.microsoft.com/office/drawing/2014/main" id="{72609104-5008-473C-B537-90CD524D1AE5}"/>
+              </a:ext>
+            </a:extLst>
+          </p:cNvPr>
+          <p:cNvPicPr>
+            <a:picLocks noChangeAspect="1"/>
+          </p:cNvPicPr>
+          <p:nvPr/>
+        </p:nvPicPr>
+        <p:blipFill>
+          <a:blip r:embed="rId4"/>
+          <a:stretch>
+            <a:fillRect/>
+          </a:stretch>
+        </p:blipFill>
+        <p:spPr>
+          <a:xfrm>
+            <a:off x="252598" y="-16488"/>
+            <a:ext cx="5357455" cy="2420644"/>
+          </a:xfrm>
+          <a:prstGeom prst="rect">
+            <a:avLst/>
+          </a:prstGeom>
+        </p:spPr>
+      </p:pic>
+      <p:pic>
+        <p:nvPicPr>
+          <p:cNvPr id="12" name="Picture 11">
+            <a:extLst>
+              <a:ext uri="{FF2B5EF4-FFF2-40B4-BE49-F238E27FC236}">
+                <a16:creationId xmlns:a16="http://schemas.microsoft.com/office/drawing/2014/main" id="{6D6334B5-CE26-49B5-8E94-4943FFBFE749}"/>
+              </a:ext>
+            </a:extLst>
+          </p:cNvPr>
+          <p:cNvPicPr>
+            <a:picLocks noChangeAspect="1"/>
+          </p:cNvPicPr>
+          <p:nvPr/>
+        </p:nvPicPr>
+        <p:blipFill>
+          <a:blip r:embed="rId5"/>
+          <a:stretch>
+            <a:fillRect/>
+          </a:stretch>
+        </p:blipFill>
+        <p:spPr>
+          <a:xfrm>
+            <a:off x="612282" y="2388620"/>
+            <a:ext cx="5229225" cy="3676650"/>
+          </a:xfrm>
+          <a:prstGeom prst="rect">
+            <a:avLst/>
+          </a:prstGeom>
+        </p:spPr>
+      </p:pic>
+      <p:sp>
+        <p:nvSpPr>
+          <p:cNvPr id="14" name="TextBox 13">
+            <a:extLst>
+              <a:ext uri="{FF2B5EF4-FFF2-40B4-BE49-F238E27FC236}">
+                <a16:creationId xmlns:a16="http://schemas.microsoft.com/office/drawing/2014/main" id="{320D1094-E735-4D81-8E4F-5C050736E377}"/>
+              </a:ext>
+            </a:extLst>
+          </p:cNvPr>
+          <p:cNvSpPr txBox="1"/>
+          <p:nvPr/>
+        </p:nvSpPr>
+        <p:spPr>
+          <a:xfrm>
+            <a:off x="1783965" y="6062917"/>
+            <a:ext cx="7112075" cy="646331"/>
+          </a:xfrm>
+          <a:prstGeom prst="rect">
+            <a:avLst/>
+          </a:prstGeom>
+          <a:noFill/>
+        </p:spPr>
+        <p:txBody>
+          <a:bodyPr wrap="none" rtlCol="0">
+            <a:spAutoFit/>
+          </a:bodyPr>
+          <a:lstStyle/>
+          <a:p>
+            <a:r>
+              <a:rPr lang="en-US" dirty="0"/>
+              <a:t>In this test, our Encoded Sequence allows us to hold ~3X more sequences </a:t>
+            </a:r>
+          </a:p>
+          <a:p>
+            <a:r>
+              <a:rPr lang="en-US" dirty="0"/>
+              <a:t>(but the we do pay a cost in run-time for the encoding)</a:t>
+            </a:r>
+          </a:p>
+        </p:txBody>
+      </p:sp>
+      <p:sp>
+        <p:nvSpPr>
+          <p:cNvPr id="15" name="Rectangle 14">
+            <a:extLst>
+              <a:ext uri="{FF2B5EF4-FFF2-40B4-BE49-F238E27FC236}">
+                <a16:creationId xmlns:a16="http://schemas.microsoft.com/office/drawing/2014/main" id="{23844312-EC21-4158-A463-28A8C6B3D1D1}"/>
+              </a:ext>
+            </a:extLst>
+          </p:cNvPr>
+          <p:cNvSpPr/>
+          <p:nvPr/>
+        </p:nvSpPr>
+        <p:spPr>
+          <a:xfrm>
+            <a:off x="7371424" y="6638102"/>
+            <a:ext cx="10241869" cy="246221"/>
+          </a:xfrm>
+          <a:prstGeom prst="rect">
+            <a:avLst/>
+          </a:prstGeom>
+        </p:spPr>
+        <p:txBody>
+          <a:bodyPr wrap="square">
+            <a:spAutoFit/>
+          </a:bodyPr>
+          <a:lstStyle/>
+          <a:p>
+            <a:r>
+              <a:rPr lang="en-US" sz="1000" dirty="0"/>
+              <a:t>https://github.com/afodor/metagenomicsTools/blob/master/src/compress/MemTest.java</a:t>
+            </a:r>
+          </a:p>
+        </p:txBody>
+      </p:sp>
+    </p:spTree>
+    <p:extLst>
+      <p:ext uri="{BB962C8B-B14F-4D97-AF65-F5344CB8AC3E}">
+        <p14:creationId xmlns:p14="http://schemas.microsoft.com/office/powerpoint/2010/main" val="4247385165"/>
       </p:ext>
     </p:extLst>
   </p:cSld>
